--- a/homophily_trade_agreements.pptx
+++ b/homophily_trade_agreements.pptx
@@ -228,7 +228,7 @@
           <a:p>
             <a:fld id="{C533CC0B-7750-4A4D-A7E2-2B85DF3126CD}" type="datetimeFigureOut">
               <a:rPr lang="en-IT" smtClean="0"/>
-              <a:t>5/29/23</a:t>
+              <a:t>6/9/23</a:t>
             </a:fld>
             <a:endParaRPr lang="en-IT"/>
           </a:p>
@@ -1975,7 +1975,7 @@
           <a:p>
             <a:fld id="{2E8F5275-0DCA-D146-9654-CF9E3E32C3F0}" type="datetime1">
               <a:rPr lang="it-IT" smtClean="0"/>
-              <a:t>29/05/23</a:t>
+              <a:t>09/06/23</a:t>
             </a:fld>
             <a:endParaRPr lang="en-US"/>
           </a:p>
@@ -2153,7 +2153,7 @@
           <a:p>
             <a:fld id="{58D5D6D2-93E2-1047-BB67-FEADFFBC3FCB}" type="datetime1">
               <a:rPr lang="it-IT" smtClean="0"/>
-              <a:t>29/05/23</a:t>
+              <a:t>09/06/23</a:t>
             </a:fld>
             <a:endParaRPr lang="en-US"/>
           </a:p>
@@ -2382,7 +2382,7 @@
           <a:p>
             <a:fld id="{A2458EAE-E165-EF45-B1D1-E2DF312C549F}" type="datetime1">
               <a:rPr lang="it-IT" smtClean="0"/>
-              <a:t>29/05/23</a:t>
+              <a:t>09/06/23</a:t>
             </a:fld>
             <a:endParaRPr lang="en-US"/>
           </a:p>
@@ -2560,7 +2560,7 @@
           <a:p>
             <a:fld id="{D3FC1224-7838-8A4F-AC9E-7781A6A75976}" type="datetime1">
               <a:rPr lang="it-IT" smtClean="0"/>
-              <a:t>29/05/23</a:t>
+              <a:t>09/06/23</a:t>
             </a:fld>
             <a:endParaRPr lang="en-US"/>
           </a:p>
@@ -2855,7 +2855,7 @@
           <a:p>
             <a:fld id="{1F35B8C0-8697-1440-8436-94BB514AF443}" type="datetime1">
               <a:rPr lang="it-IT" smtClean="0"/>
-              <a:t>29/05/23</a:t>
+              <a:t>09/06/23</a:t>
             </a:fld>
             <a:endParaRPr lang="en-US"/>
           </a:p>
@@ -3095,7 +3095,7 @@
           <a:p>
             <a:fld id="{B986B184-A166-BD41-8624-2CDD28BC936B}" type="datetime1">
               <a:rPr lang="it-IT" smtClean="0"/>
-              <a:t>29/05/23</a:t>
+              <a:t>09/06/23</a:t>
             </a:fld>
             <a:endParaRPr lang="en-US"/>
           </a:p>
@@ -3511,7 +3511,7 @@
           <a:p>
             <a:fld id="{395A223A-C26C-B443-84F7-864FC3CF1133}" type="datetime1">
               <a:rPr lang="it-IT" smtClean="0"/>
-              <a:t>29/05/23</a:t>
+              <a:t>09/06/23</a:t>
             </a:fld>
             <a:endParaRPr lang="en-US"/>
           </a:p>
@@ -3678,7 +3678,7 @@
           <a:p>
             <a:fld id="{F9A684F1-A05C-5540-99AC-726CB5335EC7}" type="datetime1">
               <a:rPr lang="it-IT" smtClean="0"/>
-              <a:t>29/05/23</a:t>
+              <a:t>09/06/23</a:t>
             </a:fld>
             <a:endParaRPr lang="en-US"/>
           </a:p>
@@ -3822,7 +3822,7 @@
           <a:p>
             <a:fld id="{1B24305E-BDF9-2B40-9F3A-C8965CCE7820}" type="datetime1">
               <a:rPr lang="it-IT" smtClean="0"/>
-              <a:t>29/05/23</a:t>
+              <a:t>09/06/23</a:t>
             </a:fld>
             <a:endParaRPr lang="en-US"/>
           </a:p>
@@ -4107,7 +4107,7 @@
           <a:p>
             <a:fld id="{90C27F8C-FADF-2E47-B987-6C978676E346}" type="datetime1">
               <a:rPr lang="it-IT" smtClean="0"/>
-              <a:t>29/05/23</a:t>
+              <a:t>09/06/23</a:t>
             </a:fld>
             <a:endParaRPr lang="en-US"/>
           </a:p>
@@ -4372,7 +4372,7 @@
           <a:p>
             <a:fld id="{0B7ECB76-5127-3345-8F24-1EAE58136627}" type="datetime1">
               <a:rPr lang="it-IT" smtClean="0"/>
-              <a:t>29/05/23</a:t>
+              <a:t>09/06/23</a:t>
             </a:fld>
             <a:endParaRPr lang="en-US"/>
           </a:p>
@@ -4593,7 +4593,7 @@
           <a:p>
             <a:fld id="{08EE0D35-3AAD-FE45-942F-45C56AAE617E}" type="datetime1">
               <a:rPr lang="it-IT" smtClean="0"/>
-              <a:t>29/05/23</a:t>
+              <a:t>09/06/23</a:t>
             </a:fld>
             <a:endParaRPr lang="en-US"/>
           </a:p>
@@ -6948,18 +6948,11 @@
               <a:buChar char="§"/>
             </a:pPr>
             <a:r>
-              <a:rPr lang="en-US" sz="2000" dirty="0" err="1">
-                <a:latin typeface="Cambria" panose="02040503050406030204" pitchFamily="18" charset="0"/>
-                <a:cs typeface="Plantagenet Cherokee" panose="02020000000000000000" pitchFamily="18" charset="-79"/>
-              </a:rPr>
-              <a:t>Hemophily</a:t>
-            </a:r>
-            <a:r>
               <a:rPr lang="en-US" sz="2000" dirty="0">
                 <a:latin typeface="Cambria" panose="02040503050406030204" pitchFamily="18" charset="0"/>
                 <a:cs typeface="Plantagenet Cherokee" panose="02020000000000000000" pitchFamily="18" charset="-79"/>
               </a:rPr>
-              <a:t> in social networks can also be observed in trade agreement networks – countries with shared attributes are more likely to form PTAs</a:t>
+              <a:t>Homophily in social networks can also be observed in trade agreement networks – countries with shared attributes are more likely to form PTAs</a:t>
             </a:r>
           </a:p>
           <a:p>
@@ -11485,8 +11478,8 @@
         </p:nvSpPr>
         <p:spPr>
           <a:xfrm>
-            <a:off x="9230156" y="2025495"/>
-            <a:ext cx="612668" cy="400110"/>
+            <a:off x="7498365" y="1671160"/>
+            <a:ext cx="1112805" cy="276999"/>
           </a:xfrm>
           <a:prstGeom prst="rect">
             <a:avLst/>
@@ -11500,59 +11493,18 @@
           <a:lstStyle/>
           <a:p>
             <a:r>
-              <a:rPr lang="en-US" sz="2000" dirty="0">
-                <a:solidFill>
-                  <a:schemeClr val="accent1">
-                    <a:lumMod val="50000"/>
-                  </a:schemeClr>
-                </a:solidFill>
+              <a:rPr lang="en-US" sz="1200" b="1" dirty="0">
                 <a:latin typeface="Cambria" panose="02040503050406030204" pitchFamily="18" charset="0"/>
                 <a:cs typeface="Plantagenet Cherokee" panose="02020000000000000000" pitchFamily="18" charset="-79"/>
               </a:rPr>
               <a:t>189</a:t>
             </a:r>
-          </a:p>
-        </p:txBody>
-      </p:sp>
-      <p:sp>
-        <p:nvSpPr>
-          <p:cNvPr id="14" name="TextBox 13">
-            <a:extLst>
-              <a:ext uri="{FF2B5EF4-FFF2-40B4-BE49-F238E27FC236}">
-                <a16:creationId xmlns:a16="http://schemas.microsoft.com/office/drawing/2014/main" id="{EFF8E040-D513-A362-4D7E-EEB07C1D3925}"/>
-              </a:ext>
-            </a:extLst>
-          </p:cNvPr>
-          <p:cNvSpPr txBox="1"/>
-          <p:nvPr/>
-        </p:nvSpPr>
-        <p:spPr>
-          <a:xfrm>
-            <a:off x="9890737" y="2103396"/>
-            <a:ext cx="907621" cy="307777"/>
-          </a:xfrm>
-          <a:prstGeom prst="rect">
-            <a:avLst/>
-          </a:prstGeom>
-          <a:noFill/>
-        </p:spPr>
-        <p:txBody>
-          <a:bodyPr wrap="none" rtlCol="0">
-            <a:spAutoFit/>
-          </a:bodyPr>
-          <a:lstStyle/>
-          <a:p>
-            <a:r>
-              <a:rPr lang="en-US" sz="1400" dirty="0">
-                <a:solidFill>
-                  <a:schemeClr val="accent1">
-                    <a:lumMod val="50000"/>
-                  </a:schemeClr>
-                </a:solidFill>
+            <a:r>
+              <a:rPr lang="en-US" sz="1200" dirty="0">
                 <a:latin typeface="Cambria" panose="02040503050406030204" pitchFamily="18" charset="0"/>
                 <a:cs typeface="Plantagenet Cherokee" panose="02020000000000000000" pitchFamily="18" charset="-79"/>
               </a:rPr>
-              <a:t>countries</a:t>
+              <a:t> countries</a:t>
             </a:r>
           </a:p>
         </p:txBody>
@@ -11571,8 +11523,8 @@
         </p:nvSpPr>
         <p:spPr>
           <a:xfrm>
-            <a:off x="9238487" y="2311747"/>
-            <a:ext cx="612668" cy="400110"/>
+            <a:off x="7498365" y="1862323"/>
+            <a:ext cx="1644937" cy="276999"/>
           </a:xfrm>
           <a:prstGeom prst="rect">
             <a:avLst/>
@@ -11586,59 +11538,18 @@
           <a:lstStyle/>
           <a:p>
             <a:r>
-              <a:rPr lang="en-US" sz="2000" dirty="0">
-                <a:solidFill>
-                  <a:schemeClr val="accent1">
-                    <a:lumMod val="50000"/>
-                  </a:schemeClr>
-                </a:solidFill>
+              <a:rPr lang="en-US" sz="1200" b="1" dirty="0">
                 <a:latin typeface="Cambria" panose="02040503050406030204" pitchFamily="18" charset="0"/>
                 <a:cs typeface="Plantagenet Cherokee" panose="02020000000000000000" pitchFamily="18" charset="-79"/>
               </a:rPr>
               <a:t>261</a:t>
             </a:r>
-          </a:p>
-        </p:txBody>
-      </p:sp>
-      <p:sp>
-        <p:nvSpPr>
-          <p:cNvPr id="21" name="TextBox 20">
-            <a:extLst>
-              <a:ext uri="{FF2B5EF4-FFF2-40B4-BE49-F238E27FC236}">
-                <a16:creationId xmlns:a16="http://schemas.microsoft.com/office/drawing/2014/main" id="{49CF6880-A9CD-56BA-95B8-78DACA220B2C}"/>
-              </a:ext>
-            </a:extLst>
-          </p:cNvPr>
-          <p:cNvSpPr txBox="1"/>
-          <p:nvPr/>
-        </p:nvSpPr>
-        <p:spPr>
-          <a:xfrm>
-            <a:off x="9890737" y="2345870"/>
-            <a:ext cx="1084528" cy="307777"/>
-          </a:xfrm>
-          <a:prstGeom prst="rect">
-            <a:avLst/>
-          </a:prstGeom>
-          <a:noFill/>
-        </p:spPr>
-        <p:txBody>
-          <a:bodyPr wrap="none" rtlCol="0">
-            <a:spAutoFit/>
-          </a:bodyPr>
-          <a:lstStyle/>
-          <a:p>
-            <a:r>
-              <a:rPr lang="en-US" sz="1400" dirty="0">
-                <a:solidFill>
-                  <a:schemeClr val="accent1">
-                    <a:lumMod val="50000"/>
-                  </a:schemeClr>
-                </a:solidFill>
+            <a:r>
+              <a:rPr lang="en-US" sz="1200" dirty="0">
                 <a:latin typeface="Cambria" panose="02040503050406030204" pitchFamily="18" charset="0"/>
                 <a:cs typeface="Plantagenet Cherokee" panose="02020000000000000000" pitchFamily="18" charset="-79"/>
               </a:rPr>
-              <a:t>agreements</a:t>
+              <a:t> trade agreements</a:t>
             </a:r>
           </a:p>
         </p:txBody>
@@ -11657,8 +11568,8 @@
         </p:nvSpPr>
         <p:spPr>
           <a:xfrm>
-            <a:off x="9125787" y="2573985"/>
-            <a:ext cx="808235" cy="400110"/>
+            <a:off x="7500614" y="2046038"/>
+            <a:ext cx="2048189" cy="276999"/>
           </a:xfrm>
           <a:prstGeom prst="rect">
             <a:avLst/>
@@ -11672,59 +11583,18 @@
           <a:lstStyle/>
           <a:p>
             <a:r>
-              <a:rPr lang="en-US" sz="2000" dirty="0">
-                <a:solidFill>
-                  <a:schemeClr val="accent1">
-                    <a:lumMod val="50000"/>
-                  </a:schemeClr>
-                </a:solidFill>
+              <a:rPr lang="en-US" sz="1200" b="1" dirty="0">
                 <a:latin typeface="Cambria" panose="02040503050406030204" pitchFamily="18" charset="0"/>
                 <a:cs typeface="Plantagenet Cherokee" panose="02020000000000000000" pitchFamily="18" charset="-79"/>
               </a:rPr>
               <a:t>3,141</a:t>
             </a:r>
-          </a:p>
-        </p:txBody>
-      </p:sp>
-      <p:sp>
-        <p:nvSpPr>
-          <p:cNvPr id="23" name="TextBox 22">
-            <a:extLst>
-              <a:ext uri="{FF2B5EF4-FFF2-40B4-BE49-F238E27FC236}">
-                <a16:creationId xmlns:a16="http://schemas.microsoft.com/office/drawing/2014/main" id="{7174C952-B464-C559-E655-0B1A2C19DAD6}"/>
-              </a:ext>
-            </a:extLst>
-          </p:cNvPr>
-          <p:cNvSpPr txBox="1"/>
-          <p:nvPr/>
-        </p:nvSpPr>
-        <p:spPr>
-          <a:xfrm>
-            <a:off x="9890737" y="2629161"/>
-            <a:ext cx="1850315" cy="307777"/>
-          </a:xfrm>
-          <a:prstGeom prst="rect">
-            <a:avLst/>
-          </a:prstGeom>
-          <a:noFill/>
-        </p:spPr>
-        <p:txBody>
-          <a:bodyPr wrap="none" rtlCol="0">
-            <a:spAutoFit/>
-          </a:bodyPr>
-          <a:lstStyle/>
-          <a:p>
-            <a:r>
-              <a:rPr lang="en-US" sz="1400" dirty="0">
-                <a:solidFill>
-                  <a:schemeClr val="accent1">
-                    <a:lumMod val="50000"/>
-                  </a:schemeClr>
-                </a:solidFill>
+            <a:r>
+              <a:rPr lang="en-US" sz="1200" dirty="0">
                 <a:latin typeface="Cambria" panose="02040503050406030204" pitchFamily="18" charset="0"/>
                 <a:cs typeface="Plantagenet Cherokee" panose="02020000000000000000" pitchFamily="18" charset="-79"/>
               </a:rPr>
-              <a:t>bilateral partnerships</a:t>
+              <a:t> bilateral partnerships</a:t>
             </a:r>
           </a:p>
         </p:txBody>
@@ -11743,8 +11613,8 @@
         </p:nvSpPr>
         <p:spPr>
           <a:xfrm>
-            <a:off x="9337335" y="2854674"/>
-            <a:ext cx="470000" cy="400110"/>
+            <a:off x="7514439" y="2260673"/>
+            <a:ext cx="755528" cy="276999"/>
           </a:xfrm>
           <a:prstGeom prst="rect">
             <a:avLst/>
@@ -11758,59 +11628,18 @@
           <a:lstStyle/>
           <a:p>
             <a:r>
-              <a:rPr lang="en-US" sz="2000" dirty="0">
-                <a:solidFill>
-                  <a:schemeClr val="accent1">
-                    <a:lumMod val="50000"/>
-                  </a:schemeClr>
-                </a:solidFill>
+              <a:rPr lang="en-US" sz="1200" b="1" dirty="0">
                 <a:latin typeface="Cambria" panose="02040503050406030204" pitchFamily="18" charset="0"/>
                 <a:cs typeface="Plantagenet Cherokee" panose="02020000000000000000" pitchFamily="18" charset="-79"/>
               </a:rPr>
               <a:t>57</a:t>
             </a:r>
-          </a:p>
-        </p:txBody>
-      </p:sp>
-      <p:sp>
-        <p:nvSpPr>
-          <p:cNvPr id="25" name="TextBox 24">
-            <a:extLst>
-              <a:ext uri="{FF2B5EF4-FFF2-40B4-BE49-F238E27FC236}">
-                <a16:creationId xmlns:a16="http://schemas.microsoft.com/office/drawing/2014/main" id="{3A47EF13-38C3-78EB-F30D-7CD16B038E9D}"/>
-              </a:ext>
-            </a:extLst>
-          </p:cNvPr>
-          <p:cNvSpPr txBox="1"/>
-          <p:nvPr/>
-        </p:nvSpPr>
-        <p:spPr>
-          <a:xfrm>
-            <a:off x="9890737" y="2896121"/>
-            <a:ext cx="597921" cy="307777"/>
-          </a:xfrm>
-          <a:prstGeom prst="rect">
-            <a:avLst/>
-          </a:prstGeom>
-          <a:noFill/>
-        </p:spPr>
-        <p:txBody>
-          <a:bodyPr wrap="none" rtlCol="0">
-            <a:spAutoFit/>
-          </a:bodyPr>
-          <a:lstStyle/>
-          <a:p>
-            <a:r>
-              <a:rPr lang="en-US" sz="1400" dirty="0">
-                <a:solidFill>
-                  <a:schemeClr val="accent1">
-                    <a:lumMod val="50000"/>
-                  </a:schemeClr>
-                </a:solidFill>
+            <a:r>
+              <a:rPr lang="en-US" sz="1200" dirty="0">
                 <a:latin typeface="Cambria" panose="02040503050406030204" pitchFamily="18" charset="0"/>
                 <a:cs typeface="Plantagenet Cherokee" panose="02020000000000000000" pitchFamily="18" charset="-79"/>
               </a:rPr>
-              <a:t>years</a:t>
+              <a:t> years</a:t>
             </a:r>
           </a:p>
         </p:txBody>
@@ -11829,8 +11658,8 @@
         </p:nvSpPr>
         <p:spPr>
           <a:xfrm>
-            <a:off x="9028561" y="1638536"/>
-            <a:ext cx="2880968" cy="368074"/>
+            <a:off x="7514439" y="1273473"/>
+            <a:ext cx="4290021" cy="368074"/>
           </a:xfrm>
           <a:prstGeom prst="roundRect">
             <a:avLst/>
@@ -11872,17 +11701,214 @@
                 </a:solidFill>
                 <a:latin typeface="Cambria" panose="02040503050406030204" pitchFamily="18" charset="0"/>
               </a:rPr>
-              <a:t>Network features</a:t>
-            </a:r>
-          </a:p>
-        </p:txBody>
-      </p:sp>
-      <p:sp>
-        <p:nvSpPr>
-          <p:cNvPr id="41" name="Rounded Rectangle 40">
+              <a:t>Network features </a:t>
+            </a:r>
+          </a:p>
+        </p:txBody>
+      </p:sp>
+      <p:sp>
+        <p:nvSpPr>
+          <p:cNvPr id="49" name="TextBox 48">
             <a:extLst>
               <a:ext uri="{FF2B5EF4-FFF2-40B4-BE49-F238E27FC236}">
-                <a16:creationId xmlns:a16="http://schemas.microsoft.com/office/drawing/2014/main" id="{9ABA1C29-1B7F-B4CB-5005-A67EC6712E75}"/>
+                <a16:creationId xmlns:a16="http://schemas.microsoft.com/office/drawing/2014/main" id="{7C23B955-F44C-D182-ABEF-178D18BFD047}"/>
+              </a:ext>
+            </a:extLst>
+          </p:cNvPr>
+          <p:cNvSpPr txBox="1"/>
+          <p:nvPr/>
+        </p:nvSpPr>
+        <p:spPr>
+          <a:xfrm>
+            <a:off x="10164420" y="1695634"/>
+            <a:ext cx="640368" cy="276999"/>
+          </a:xfrm>
+          <a:prstGeom prst="rect">
+            <a:avLst/>
+          </a:prstGeom>
+          <a:noFill/>
+        </p:spPr>
+        <p:txBody>
+          <a:bodyPr wrap="none" rtlCol="0">
+            <a:spAutoFit/>
+          </a:bodyPr>
+          <a:lstStyle/>
+          <a:p>
+            <a:r>
+              <a:rPr lang="en-US" sz="1200" dirty="0">
+                <a:latin typeface="Cambria" panose="02040503050406030204" pitchFamily="18" charset="0"/>
+                <a:cs typeface="Plantagenet Cherokee" panose="02020000000000000000" pitchFamily="18" charset="-79"/>
+              </a:rPr>
+              <a:t>Region</a:t>
+            </a:r>
+          </a:p>
+        </p:txBody>
+      </p:sp>
+      <p:sp>
+        <p:nvSpPr>
+          <p:cNvPr id="50" name="TextBox 49">
+            <a:extLst>
+              <a:ext uri="{FF2B5EF4-FFF2-40B4-BE49-F238E27FC236}">
+                <a16:creationId xmlns:a16="http://schemas.microsoft.com/office/drawing/2014/main" id="{EACAD3F9-CACF-F9F1-FD70-53BCEE51C72B}"/>
+              </a:ext>
+            </a:extLst>
+          </p:cNvPr>
+          <p:cNvSpPr txBox="1"/>
+          <p:nvPr/>
+        </p:nvSpPr>
+        <p:spPr>
+          <a:xfrm>
+            <a:off x="10173554" y="2043561"/>
+            <a:ext cx="470000" cy="276999"/>
+          </a:xfrm>
+          <a:prstGeom prst="rect">
+            <a:avLst/>
+          </a:prstGeom>
+          <a:noFill/>
+        </p:spPr>
+        <p:txBody>
+          <a:bodyPr wrap="none" rtlCol="0">
+            <a:spAutoFit/>
+          </a:bodyPr>
+          <a:lstStyle/>
+          <a:p>
+            <a:r>
+              <a:rPr lang="en-US" sz="1200" dirty="0">
+                <a:latin typeface="Cambria" panose="02040503050406030204" pitchFamily="18" charset="0"/>
+                <a:cs typeface="Plantagenet Cherokee" panose="02020000000000000000" pitchFamily="18" charset="-79"/>
+              </a:rPr>
+              <a:t>GDP</a:t>
+            </a:r>
+          </a:p>
+        </p:txBody>
+      </p:sp>
+      <p:sp>
+        <p:nvSpPr>
+          <p:cNvPr id="60" name="TextBox 59">
+            <a:extLst>
+              <a:ext uri="{FF2B5EF4-FFF2-40B4-BE49-F238E27FC236}">
+                <a16:creationId xmlns:a16="http://schemas.microsoft.com/office/drawing/2014/main" id="{2B781944-619E-E234-1F32-9561E7228C34}"/>
+              </a:ext>
+            </a:extLst>
+          </p:cNvPr>
+          <p:cNvSpPr txBox="1"/>
+          <p:nvPr/>
+        </p:nvSpPr>
+        <p:spPr>
+          <a:xfrm>
+            <a:off x="10173554" y="1862323"/>
+            <a:ext cx="1023037" cy="276999"/>
+          </a:xfrm>
+          <a:prstGeom prst="rect">
+            <a:avLst/>
+          </a:prstGeom>
+          <a:noFill/>
+        </p:spPr>
+        <p:txBody>
+          <a:bodyPr wrap="none" rtlCol="0">
+            <a:spAutoFit/>
+          </a:bodyPr>
+          <a:lstStyle/>
+          <a:p>
+            <a:r>
+              <a:rPr lang="en-US" sz="1200" dirty="0">
+                <a:latin typeface="Cambria" panose="02040503050406030204" pitchFamily="18" charset="0"/>
+                <a:cs typeface="Plantagenet Cherokee" panose="02020000000000000000" pitchFamily="18" charset="-79"/>
+              </a:rPr>
+              <a:t>Income class</a:t>
+            </a:r>
+          </a:p>
+        </p:txBody>
+      </p:sp>
+      <p:sp>
+        <p:nvSpPr>
+          <p:cNvPr id="61" name="TextBox 60">
+            <a:extLst>
+              <a:ext uri="{FF2B5EF4-FFF2-40B4-BE49-F238E27FC236}">
+                <a16:creationId xmlns:a16="http://schemas.microsoft.com/office/drawing/2014/main" id="{C0FA15B5-EF59-83AA-370F-3B787366AF8B}"/>
+              </a:ext>
+            </a:extLst>
+          </p:cNvPr>
+          <p:cNvSpPr txBox="1"/>
+          <p:nvPr/>
+        </p:nvSpPr>
+        <p:spPr>
+          <a:xfrm>
+            <a:off x="10162580" y="2222145"/>
+            <a:ext cx="1356140" cy="276999"/>
+          </a:xfrm>
+          <a:prstGeom prst="rect">
+            <a:avLst/>
+          </a:prstGeom>
+          <a:noFill/>
+        </p:spPr>
+        <p:txBody>
+          <a:bodyPr wrap="none" rtlCol="0">
+            <a:spAutoFit/>
+          </a:bodyPr>
+          <a:lstStyle/>
+          <a:p>
+            <a:r>
+              <a:rPr lang="en-US" sz="1200" dirty="0">
+                <a:latin typeface="Cambria" panose="02040503050406030204" pitchFamily="18" charset="0"/>
+                <a:cs typeface="Plantagenet Cherokee" panose="02020000000000000000" pitchFamily="18" charset="-79"/>
+              </a:rPr>
+              <a:t>Political structure</a:t>
+            </a:r>
+          </a:p>
+        </p:txBody>
+      </p:sp>
+      <p:cxnSp>
+        <p:nvCxnSpPr>
+          <p:cNvPr id="62" name="Straight Connector 61">
+            <a:extLst>
+              <a:ext uri="{FF2B5EF4-FFF2-40B4-BE49-F238E27FC236}">
+                <a16:creationId xmlns:a16="http://schemas.microsoft.com/office/drawing/2014/main" id="{C5A734D2-FD81-F8FA-F9CD-61C30165C1F4}"/>
+              </a:ext>
+            </a:extLst>
+          </p:cNvPr>
+          <p:cNvCxnSpPr>
+            <a:cxnSpLocks/>
+          </p:cNvCxnSpPr>
+          <p:nvPr/>
+        </p:nvCxnSpPr>
+        <p:spPr>
+          <a:xfrm>
+            <a:off x="510191" y="1003368"/>
+            <a:ext cx="10985123" cy="0"/>
+          </a:xfrm>
+          <a:prstGeom prst="line">
+            <a:avLst/>
+          </a:prstGeom>
+          <a:ln w="28575">
+            <a:solidFill>
+              <a:schemeClr val="accent1">
+                <a:lumMod val="75000"/>
+              </a:schemeClr>
+            </a:solidFill>
+          </a:ln>
+        </p:spPr>
+        <p:style>
+          <a:lnRef idx="1">
+            <a:schemeClr val="accent1"/>
+          </a:lnRef>
+          <a:fillRef idx="0">
+            <a:schemeClr val="accent1"/>
+          </a:fillRef>
+          <a:effectRef idx="0">
+            <a:schemeClr val="accent1"/>
+          </a:effectRef>
+          <a:fontRef idx="minor">
+            <a:schemeClr val="tx1"/>
+          </a:fontRef>
+        </p:style>
+      </p:cxnSp>
+      <p:sp>
+        <p:nvSpPr>
+          <p:cNvPr id="6" name="Rounded Rectangle 5">
+            <a:extLst>
+              <a:ext uri="{FF2B5EF4-FFF2-40B4-BE49-F238E27FC236}">
+                <a16:creationId xmlns:a16="http://schemas.microsoft.com/office/drawing/2014/main" id="{9C7956DC-3351-DC34-1DE7-0BF5ADEDC6DF}"/>
               </a:ext>
             </a:extLst>
           </p:cNvPr>
@@ -11891,8 +11917,8 @@
         </p:nvSpPr>
         <p:spPr>
           <a:xfrm>
-            <a:off x="9043655" y="3557098"/>
-            <a:ext cx="2880969" cy="368074"/>
+            <a:off x="7500520" y="2827774"/>
+            <a:ext cx="4303940" cy="368074"/>
           </a:xfrm>
           <a:prstGeom prst="roundRect">
             <a:avLst/>
@@ -11934,17 +11960,194 @@
                 </a:solidFill>
                 <a:latin typeface="Cambria" panose="02040503050406030204" pitchFamily="18" charset="0"/>
               </a:rPr>
-              <a:t>Node properties</a:t>
-            </a:r>
-          </a:p>
-        </p:txBody>
-      </p:sp>
-      <p:sp>
-        <p:nvSpPr>
-          <p:cNvPr id="45" name="Rounded Rectangle 44">
+              <a:t>PTA policy areas      </a:t>
+            </a:r>
+          </a:p>
+        </p:txBody>
+      </p:sp>
+      <p:sp>
+        <p:nvSpPr>
+          <p:cNvPr id="7" name="TextBox 6">
             <a:extLst>
               <a:ext uri="{FF2B5EF4-FFF2-40B4-BE49-F238E27FC236}">
-                <a16:creationId xmlns:a16="http://schemas.microsoft.com/office/drawing/2014/main" id="{D12FDDBC-4921-0944-F72F-021E5BBF87FB}"/>
+                <a16:creationId xmlns:a16="http://schemas.microsoft.com/office/drawing/2014/main" id="{18CFF412-84AE-746B-EAC9-920A58DB41E0}"/>
+              </a:ext>
+            </a:extLst>
+          </p:cNvPr>
+          <p:cNvSpPr txBox="1"/>
+          <p:nvPr/>
+        </p:nvSpPr>
+        <p:spPr>
+          <a:xfrm>
+            <a:off x="7500520" y="3313536"/>
+            <a:ext cx="2662060" cy="1015663"/>
+          </a:xfrm>
+          <a:prstGeom prst="rect">
+            <a:avLst/>
+          </a:prstGeom>
+          <a:noFill/>
+        </p:spPr>
+        <p:txBody>
+          <a:bodyPr wrap="square" rtlCol="0">
+            <a:spAutoFit/>
+          </a:bodyPr>
+          <a:lstStyle/>
+          <a:p>
+            <a:pPr marL="342900" indent="-342900">
+              <a:buAutoNum type="arabicPeriod"/>
+            </a:pPr>
+            <a:r>
+              <a:rPr lang="en-PH" sz="1200" b="0" dirty="0">
+                <a:effectLst/>
+                <a:latin typeface="Cambria" panose="02040503050406030204" pitchFamily="18" charset="0"/>
+              </a:rPr>
+              <a:t>Import tariffs</a:t>
+            </a:r>
+          </a:p>
+          <a:p>
+            <a:pPr marL="342900" indent="-342900">
+              <a:buAutoNum type="arabicPeriod"/>
+            </a:pPr>
+            <a:r>
+              <a:rPr lang="en-PH" sz="1200" dirty="0">
+                <a:latin typeface="Cambria" panose="02040503050406030204" pitchFamily="18" charset="0"/>
+              </a:rPr>
+              <a:t>Non-tariff barriers</a:t>
+            </a:r>
+          </a:p>
+          <a:p>
+            <a:pPr marL="342900" indent="-342900">
+              <a:buAutoNum type="arabicPeriod"/>
+            </a:pPr>
+            <a:r>
+              <a:rPr lang="en-PH" sz="1200" b="0" dirty="0">
+                <a:effectLst/>
+                <a:latin typeface="Cambria" panose="02040503050406030204" pitchFamily="18" charset="0"/>
+              </a:rPr>
+              <a:t>B</a:t>
+            </a:r>
+            <a:r>
+              <a:rPr lang="en-PH" sz="1200" dirty="0">
+                <a:latin typeface="Cambria" panose="02040503050406030204" pitchFamily="18" charset="0"/>
+              </a:rPr>
+              <a:t>ehind-the-border policies</a:t>
+            </a:r>
+          </a:p>
+          <a:p>
+            <a:pPr marL="342900" indent="-342900">
+              <a:buAutoNum type="arabicPeriod"/>
+            </a:pPr>
+            <a:r>
+              <a:rPr lang="en-PH" sz="1200" dirty="0">
+                <a:latin typeface="Cambria" panose="02040503050406030204" pitchFamily="18" charset="0"/>
+              </a:rPr>
+              <a:t>Services</a:t>
+            </a:r>
+          </a:p>
+          <a:p>
+            <a:pPr marL="342900" indent="-342900">
+              <a:buAutoNum type="arabicPeriod"/>
+            </a:pPr>
+            <a:r>
+              <a:rPr lang="en-PH" sz="1200" b="0" dirty="0">
+                <a:effectLst/>
+                <a:latin typeface="Cambria" panose="02040503050406030204" pitchFamily="18" charset="0"/>
+              </a:rPr>
+              <a:t>Technology</a:t>
+            </a:r>
+          </a:p>
+        </p:txBody>
+      </p:sp>
+      <p:sp>
+        <p:nvSpPr>
+          <p:cNvPr id="8" name="TextBox 7">
+            <a:extLst>
+              <a:ext uri="{FF2B5EF4-FFF2-40B4-BE49-F238E27FC236}">
+                <a16:creationId xmlns:a16="http://schemas.microsoft.com/office/drawing/2014/main" id="{CF850CCD-23E2-FF45-AA0B-81B09C6E391E}"/>
+              </a:ext>
+            </a:extLst>
+          </p:cNvPr>
+          <p:cNvSpPr txBox="1"/>
+          <p:nvPr/>
+        </p:nvSpPr>
+        <p:spPr>
+          <a:xfrm>
+            <a:off x="9862263" y="3269976"/>
+            <a:ext cx="1942198" cy="830997"/>
+          </a:xfrm>
+          <a:prstGeom prst="rect">
+            <a:avLst/>
+          </a:prstGeom>
+          <a:noFill/>
+        </p:spPr>
+        <p:txBody>
+          <a:bodyPr wrap="none" rtlCol="0">
+            <a:spAutoFit/>
+          </a:bodyPr>
+          <a:lstStyle/>
+          <a:p>
+            <a:r>
+              <a:rPr lang="en-PH" sz="1200" dirty="0">
+                <a:latin typeface="Cambria" panose="02040503050406030204" pitchFamily="18" charset="0"/>
+              </a:rPr>
+              <a:t>6. Investment and capital </a:t>
+            </a:r>
+          </a:p>
+          <a:p>
+            <a:r>
+              <a:rPr lang="en-PH" sz="1200" b="0" dirty="0">
+                <a:effectLst/>
+                <a:latin typeface="Cambria" panose="02040503050406030204" pitchFamily="18" charset="0"/>
+              </a:rPr>
+              <a:t>7. Labor</a:t>
+            </a:r>
+            <a:endParaRPr lang="en-PH" sz="1200" dirty="0">
+              <a:latin typeface="Cambria" panose="02040503050406030204" pitchFamily="18" charset="0"/>
+            </a:endParaRPr>
+          </a:p>
+          <a:p>
+            <a:r>
+              <a:rPr lang="en-PH" sz="1200" dirty="0">
+                <a:latin typeface="Cambria" panose="02040503050406030204" pitchFamily="18" charset="0"/>
+              </a:rPr>
+              <a:t>8. Other policies</a:t>
+            </a:r>
+          </a:p>
+          <a:p>
+            <a:r>
+              <a:rPr lang="en-PH" sz="1200" b="1" dirty="0">
+                <a:solidFill>
+                  <a:schemeClr val="bg1"/>
+                </a:solidFill>
+                <a:highlight>
+                  <a:srgbClr val="C71E7D"/>
+                </a:highlight>
+                <a:latin typeface="Cambria" panose="02040503050406030204" pitchFamily="18" charset="0"/>
+              </a:rPr>
+              <a:t>9. </a:t>
+            </a:r>
+            <a:r>
+              <a:rPr lang="en-PH" sz="1200" b="1" dirty="0">
+                <a:solidFill>
+                  <a:schemeClr val="bg1"/>
+                </a:solidFill>
+                <a:effectLst/>
+                <a:highlight>
+                  <a:srgbClr val="C71E7D"/>
+                </a:highlight>
+                <a:latin typeface="Cambria" panose="02040503050406030204" pitchFamily="18" charset="0"/>
+              </a:rPr>
+              <a:t>Non-economic policies</a:t>
+            </a:r>
+          </a:p>
+        </p:txBody>
+      </p:sp>
+      <p:sp>
+        <p:nvSpPr>
+          <p:cNvPr id="9" name="Rounded Rectangle 8">
+            <a:extLst>
+              <a:ext uri="{FF2B5EF4-FFF2-40B4-BE49-F238E27FC236}">
+                <a16:creationId xmlns:a16="http://schemas.microsoft.com/office/drawing/2014/main" id="{07D56DFB-5286-22AE-2D36-8BA3C9B9E02F}"/>
               </a:ext>
             </a:extLst>
           </p:cNvPr>
@@ -11953,16 +12156,14 @@
         </p:nvSpPr>
         <p:spPr>
           <a:xfrm>
-            <a:off x="9043655" y="4824709"/>
-            <a:ext cx="2880969" cy="368074"/>
+            <a:off x="7500520" y="4582721"/>
+            <a:ext cx="4303940" cy="368074"/>
           </a:xfrm>
           <a:prstGeom prst="roundRect">
             <a:avLst/>
           </a:prstGeom>
           <a:solidFill>
-            <a:schemeClr val="accent1">
-              <a:lumMod val="50000"/>
-            </a:schemeClr>
+            <a:srgbClr val="C71E7D"/>
           </a:solidFill>
           <a:ln>
             <a:noFill/>
@@ -11996,17 +12197,17 @@
                 </a:solidFill>
                 <a:latin typeface="Cambria" panose="02040503050406030204" pitchFamily="18" charset="0"/>
               </a:rPr>
-              <a:t>Edge properties</a:t>
-            </a:r>
-          </a:p>
-        </p:txBody>
-      </p:sp>
-      <p:sp>
-        <p:nvSpPr>
-          <p:cNvPr id="49" name="TextBox 48">
+              <a:t>Non-economic provisions</a:t>
+            </a:r>
+          </a:p>
+        </p:txBody>
+      </p:sp>
+      <p:sp>
+        <p:nvSpPr>
+          <p:cNvPr id="11" name="TextBox 10">
             <a:extLst>
               <a:ext uri="{FF2B5EF4-FFF2-40B4-BE49-F238E27FC236}">
-                <a16:creationId xmlns:a16="http://schemas.microsoft.com/office/drawing/2014/main" id="{7C23B955-F44C-D182-ABEF-178D18BFD047}"/>
+                <a16:creationId xmlns:a16="http://schemas.microsoft.com/office/drawing/2014/main" id="{141B9CF5-669D-DCBF-F371-9D7B1AB3E665}"/>
               </a:ext>
             </a:extLst>
           </p:cNvPr>
@@ -12015,8 +12216,8 @@
         </p:nvSpPr>
         <p:spPr>
           <a:xfrm>
-            <a:off x="9354243" y="3987114"/>
-            <a:ext cx="715196" cy="307777"/>
+            <a:off x="7550028" y="5020269"/>
+            <a:ext cx="2880968" cy="1015663"/>
           </a:xfrm>
           <a:prstGeom prst="rect">
             <a:avLst/>
@@ -12024,32 +12225,81 @@
           <a:noFill/>
         </p:spPr>
         <p:txBody>
-          <a:bodyPr wrap="none" rtlCol="0">
+          <a:bodyPr wrap="square" rtlCol="0">
             <a:spAutoFit/>
           </a:bodyPr>
           <a:lstStyle/>
           <a:p>
-            <a:r>
-              <a:rPr lang="en-US" sz="1400" dirty="0">
-                <a:solidFill>
-                  <a:schemeClr val="accent1">
-                    <a:lumMod val="50000"/>
-                  </a:schemeClr>
-                </a:solidFill>
+            <a:pPr marL="285750" indent="-285750">
+              <a:buFont typeface="Arial" panose="020B0604020202020204" pitchFamily="34" charset="0"/>
+              <a:buChar char="•"/>
+            </a:pPr>
+            <a:r>
+              <a:rPr lang="en-PH" sz="1200" dirty="0">
+                <a:effectLst/>
                 <a:latin typeface="Cambria" panose="02040503050406030204" pitchFamily="18" charset="0"/>
-                <a:cs typeface="Plantagenet Cherokee" panose="02020000000000000000" pitchFamily="18" charset="-79"/>
-              </a:rPr>
-              <a:t>Region</a:t>
-            </a:r>
-          </a:p>
-        </p:txBody>
-      </p:sp>
-      <p:sp>
-        <p:nvSpPr>
-          <p:cNvPr id="50" name="TextBox 49">
+              </a:rPr>
+              <a:t>Environmental laws</a:t>
+            </a:r>
+          </a:p>
+          <a:p>
+            <a:pPr marL="285750" indent="-285750">
+              <a:buFont typeface="Arial" panose="020B0604020202020204" pitchFamily="34" charset="0"/>
+              <a:buChar char="•"/>
+            </a:pPr>
+            <a:r>
+              <a:rPr lang="en-PH" sz="1200" dirty="0">
+                <a:effectLst/>
+                <a:latin typeface="Cambria" panose="02040503050406030204" pitchFamily="18" charset="0"/>
+              </a:rPr>
+              <a:t>Cultural cooperation</a:t>
+            </a:r>
+          </a:p>
+          <a:p>
+            <a:pPr marL="285750" indent="-285750">
+              <a:buFont typeface="Arial" panose="020B0604020202020204" pitchFamily="34" charset="0"/>
+              <a:buChar char="•"/>
+            </a:pPr>
+            <a:r>
+              <a:rPr lang="en-PH" sz="1200" dirty="0">
+                <a:latin typeface="Cambria" panose="02040503050406030204" pitchFamily="18" charset="0"/>
+              </a:rPr>
+              <a:t>Data protection</a:t>
+            </a:r>
+          </a:p>
+          <a:p>
+            <a:pPr marL="285750" indent="-285750">
+              <a:buFont typeface="Arial" panose="020B0604020202020204" pitchFamily="34" charset="0"/>
+              <a:buChar char="•"/>
+            </a:pPr>
+            <a:r>
+              <a:rPr lang="en-PH" sz="1200" dirty="0">
+                <a:effectLst/>
+                <a:latin typeface="Cambria" panose="02040503050406030204" pitchFamily="18" charset="0"/>
+              </a:rPr>
+              <a:t>Health</a:t>
+            </a:r>
+          </a:p>
+          <a:p>
+            <a:pPr marL="285750" indent="-285750">
+              <a:buFont typeface="Arial" panose="020B0604020202020204" pitchFamily="34" charset="0"/>
+              <a:buChar char="•"/>
+            </a:pPr>
+            <a:r>
+              <a:rPr lang="en-PH" sz="1200" dirty="0">
+                <a:latin typeface="Cambria" panose="02040503050406030204" pitchFamily="18" charset="0"/>
+              </a:rPr>
+              <a:t>Human rights</a:t>
+            </a:r>
+          </a:p>
+        </p:txBody>
+      </p:sp>
+      <p:sp>
+        <p:nvSpPr>
+          <p:cNvPr id="12" name="TextBox 11">
             <a:extLst>
               <a:ext uri="{FF2B5EF4-FFF2-40B4-BE49-F238E27FC236}">
-                <a16:creationId xmlns:a16="http://schemas.microsoft.com/office/drawing/2014/main" id="{EACAD3F9-CACF-F9F1-FD70-53BCEE51C72B}"/>
+                <a16:creationId xmlns:a16="http://schemas.microsoft.com/office/drawing/2014/main" id="{D00D7B35-641D-1AE2-003C-31E3DACD3041}"/>
               </a:ext>
             </a:extLst>
           </p:cNvPr>
@@ -12058,8 +12308,8 @@
         </p:nvSpPr>
         <p:spPr>
           <a:xfrm>
-            <a:off x="9374447" y="4224233"/>
-            <a:ext cx="514885" cy="307777"/>
+            <a:off x="9920215" y="5020269"/>
+            <a:ext cx="1669175" cy="830997"/>
           </a:xfrm>
           <a:prstGeom prst="rect">
             <a:avLst/>
@@ -12072,113 +12322,73 @@
           </a:bodyPr>
           <a:lstStyle/>
           <a:p>
-            <a:r>
-              <a:rPr lang="en-US" sz="1400" dirty="0">
-                <a:solidFill>
-                  <a:schemeClr val="accent1">
-                    <a:lumMod val="50000"/>
-                  </a:schemeClr>
-                </a:solidFill>
+            <a:pPr marL="285750" indent="-285750">
+              <a:buFont typeface="Arial" panose="020B0604020202020204" pitchFamily="34" charset="0"/>
+              <a:buChar char="•"/>
+            </a:pPr>
+            <a:r>
+              <a:rPr lang="en-PH" sz="1200" dirty="0">
+                <a:effectLst/>
                 <a:latin typeface="Cambria" panose="02040503050406030204" pitchFamily="18" charset="0"/>
-                <a:cs typeface="Plantagenet Cherokee" panose="02020000000000000000" pitchFamily="18" charset="-79"/>
-              </a:rPr>
-              <a:t>GDP</a:t>
-            </a:r>
-          </a:p>
-        </p:txBody>
-      </p:sp>
-      <p:sp>
-        <p:nvSpPr>
-          <p:cNvPr id="52" name="TextBox 51">
+              </a:rPr>
+              <a:t>Illicit d</a:t>
+            </a:r>
+            <a:r>
+              <a:rPr lang="en-PH" sz="1200" dirty="0">
+                <a:latin typeface="Cambria" panose="02040503050406030204" pitchFamily="18" charset="0"/>
+              </a:rPr>
+              <a:t>rugs</a:t>
+            </a:r>
+          </a:p>
+          <a:p>
+            <a:pPr marL="285750" indent="-285750">
+              <a:buFont typeface="Arial" panose="020B0604020202020204" pitchFamily="34" charset="0"/>
+              <a:buChar char="•"/>
+            </a:pPr>
+            <a:r>
+              <a:rPr lang="en-PH" sz="1200" dirty="0">
+                <a:effectLst/>
+                <a:latin typeface="Cambria" panose="02040503050406030204" pitchFamily="18" charset="0"/>
+              </a:rPr>
+              <a:t>Money laundering</a:t>
+            </a:r>
+          </a:p>
+          <a:p>
+            <a:pPr marL="285750" indent="-285750">
+              <a:buFont typeface="Arial" panose="020B0604020202020204" pitchFamily="34" charset="0"/>
+              <a:buChar char="•"/>
+            </a:pPr>
+            <a:r>
+              <a:rPr lang="en-PH" sz="1200" dirty="0">
+                <a:latin typeface="Cambria" panose="02040503050406030204" pitchFamily="18" charset="0"/>
+              </a:rPr>
+              <a:t>Political dialogue</a:t>
+            </a:r>
+          </a:p>
+          <a:p>
+            <a:pPr marL="285750" indent="-285750">
+              <a:buFont typeface="Arial" panose="020B0604020202020204" pitchFamily="34" charset="0"/>
+              <a:buChar char="•"/>
+            </a:pPr>
+            <a:r>
+              <a:rPr lang="en-PH" sz="1200" dirty="0">
+                <a:latin typeface="Cambria" panose="02040503050406030204" pitchFamily="18" charset="0"/>
+              </a:rPr>
+              <a:t>Terrorism</a:t>
+            </a:r>
+            <a:endParaRPr lang="en-PH" sz="1200" dirty="0">
+              <a:effectLst/>
+              <a:latin typeface="Cambria" panose="02040503050406030204" pitchFamily="18" charset="0"/>
+            </a:endParaRPr>
+          </a:p>
+        </p:txBody>
+      </p:sp>
+      <p:pic>
+        <p:nvPicPr>
+          <p:cNvPr id="27" name="Picture 26" descr="A picture containing flower&#10;&#10;Description automatically generated">
             <a:extLst>
               <a:ext uri="{FF2B5EF4-FFF2-40B4-BE49-F238E27FC236}">
-                <a16:creationId xmlns:a16="http://schemas.microsoft.com/office/drawing/2014/main" id="{14671317-DA9E-71B8-BB96-120ECDB5008A}"/>
-              </a:ext>
-            </a:extLst>
-          </p:cNvPr>
-          <p:cNvSpPr txBox="1"/>
-          <p:nvPr/>
-        </p:nvSpPr>
-        <p:spPr>
-          <a:xfrm>
-            <a:off x="9340518" y="5249914"/>
-            <a:ext cx="2136675" cy="307777"/>
-          </a:xfrm>
-          <a:prstGeom prst="rect">
-            <a:avLst/>
-          </a:prstGeom>
-          <a:noFill/>
-        </p:spPr>
-        <p:txBody>
-          <a:bodyPr wrap="none" rtlCol="0">
-            <a:spAutoFit/>
-          </a:bodyPr>
-          <a:lstStyle/>
-          <a:p>
-            <a:r>
-              <a:rPr lang="en-US" sz="1400" dirty="0">
-                <a:solidFill>
-                  <a:schemeClr val="accent1">
-                    <a:lumMod val="50000"/>
-                  </a:schemeClr>
-                </a:solidFill>
-                <a:latin typeface="Cambria" panose="02040503050406030204" pitchFamily="18" charset="0"/>
-                <a:cs typeface="Plantagenet Cherokee" panose="02020000000000000000" pitchFamily="18" charset="-79"/>
-              </a:rPr>
-              <a:t>Non-economic provisions</a:t>
-            </a:r>
-          </a:p>
-        </p:txBody>
-      </p:sp>
-      <p:sp>
-        <p:nvSpPr>
-          <p:cNvPr id="53" name="TextBox 52">
-            <a:extLst>
-              <a:ext uri="{FF2B5EF4-FFF2-40B4-BE49-F238E27FC236}">
-                <a16:creationId xmlns:a16="http://schemas.microsoft.com/office/drawing/2014/main" id="{69AEDFA2-C26D-5758-D308-09B53DF78CEA}"/>
-              </a:ext>
-            </a:extLst>
-          </p:cNvPr>
-          <p:cNvSpPr txBox="1"/>
-          <p:nvPr/>
-        </p:nvSpPr>
-        <p:spPr>
-          <a:xfrm>
-            <a:off x="9338053" y="5523465"/>
-            <a:ext cx="1703287" cy="307777"/>
-          </a:xfrm>
-          <a:prstGeom prst="rect">
-            <a:avLst/>
-          </a:prstGeom>
-          <a:noFill/>
-        </p:spPr>
-        <p:txBody>
-          <a:bodyPr wrap="none" rtlCol="0">
-            <a:spAutoFit/>
-          </a:bodyPr>
-          <a:lstStyle/>
-          <a:p>
-            <a:r>
-              <a:rPr lang="en-US" sz="1400" dirty="0">
-                <a:solidFill>
-                  <a:schemeClr val="accent1">
-                    <a:lumMod val="50000"/>
-                  </a:schemeClr>
-                </a:solidFill>
-                <a:latin typeface="Cambria" panose="02040503050406030204" pitchFamily="18" charset="0"/>
-                <a:cs typeface="Plantagenet Cherokee" panose="02020000000000000000" pitchFamily="18" charset="-79"/>
-              </a:rPr>
-              <a:t>Depth of agreement</a:t>
-            </a:r>
-          </a:p>
-        </p:txBody>
-      </p:sp>
-      <p:pic>
-        <p:nvPicPr>
-          <p:cNvPr id="59" name="Picture 58" descr="A picture containing several, set&#10;&#10;Description automatically generated">
-            <a:extLst>
-              <a:ext uri="{FF2B5EF4-FFF2-40B4-BE49-F238E27FC236}">
-                <a16:creationId xmlns:a16="http://schemas.microsoft.com/office/drawing/2014/main" id="{CF9BF179-7F95-7B69-6E3B-25A92E05FC6E}"/>
+                <a16:creationId xmlns:a16="http://schemas.microsoft.com/office/drawing/2014/main" id="{5776701B-9EFB-3C4F-C928-69049C0581DE}"/>
               </a:ext>
             </a:extLst>
           </p:cNvPr>
@@ -12201,145 +12411,14 @@
         </p:blipFill>
         <p:spPr>
           <a:xfrm>
-            <a:off x="-120557" y="911203"/>
-            <a:ext cx="9269677" cy="5816721"/>
+            <a:off x="-189146" y="934024"/>
+            <a:ext cx="7772400" cy="5852617"/>
           </a:xfrm>
           <a:prstGeom prst="rect">
             <a:avLst/>
           </a:prstGeom>
         </p:spPr>
       </p:pic>
-      <p:sp>
-        <p:nvSpPr>
-          <p:cNvPr id="60" name="TextBox 59">
-            <a:extLst>
-              <a:ext uri="{FF2B5EF4-FFF2-40B4-BE49-F238E27FC236}">
-                <a16:creationId xmlns:a16="http://schemas.microsoft.com/office/drawing/2014/main" id="{2B781944-619E-E234-1F32-9561E7228C34}"/>
-              </a:ext>
-            </a:extLst>
-          </p:cNvPr>
-          <p:cNvSpPr txBox="1"/>
-          <p:nvPr/>
-        </p:nvSpPr>
-        <p:spPr>
-          <a:xfrm>
-            <a:off x="10249545" y="3971432"/>
-            <a:ext cx="1162498" cy="307777"/>
-          </a:xfrm>
-          <a:prstGeom prst="rect">
-            <a:avLst/>
-          </a:prstGeom>
-          <a:noFill/>
-        </p:spPr>
-        <p:txBody>
-          <a:bodyPr wrap="none" rtlCol="0">
-            <a:spAutoFit/>
-          </a:bodyPr>
-          <a:lstStyle/>
-          <a:p>
-            <a:r>
-              <a:rPr lang="en-US" sz="1400" dirty="0">
-                <a:solidFill>
-                  <a:schemeClr val="accent1">
-                    <a:lumMod val="50000"/>
-                  </a:schemeClr>
-                </a:solidFill>
-                <a:latin typeface="Cambria" panose="02040503050406030204" pitchFamily="18" charset="0"/>
-                <a:cs typeface="Plantagenet Cherokee" panose="02020000000000000000" pitchFamily="18" charset="-79"/>
-              </a:rPr>
-              <a:t>Income class</a:t>
-            </a:r>
-          </a:p>
-        </p:txBody>
-      </p:sp>
-      <p:sp>
-        <p:nvSpPr>
-          <p:cNvPr id="61" name="TextBox 60">
-            <a:extLst>
-              <a:ext uri="{FF2B5EF4-FFF2-40B4-BE49-F238E27FC236}">
-                <a16:creationId xmlns:a16="http://schemas.microsoft.com/office/drawing/2014/main" id="{C0FA15B5-EF59-83AA-370F-3B787366AF8B}"/>
-              </a:ext>
-            </a:extLst>
-          </p:cNvPr>
-          <p:cNvSpPr txBox="1"/>
-          <p:nvPr/>
-        </p:nvSpPr>
-        <p:spPr>
-          <a:xfrm>
-            <a:off x="10266765" y="4207572"/>
-            <a:ext cx="1550874" cy="307777"/>
-          </a:xfrm>
-          <a:prstGeom prst="rect">
-            <a:avLst/>
-          </a:prstGeom>
-          <a:noFill/>
-        </p:spPr>
-        <p:txBody>
-          <a:bodyPr wrap="none" rtlCol="0">
-            <a:spAutoFit/>
-          </a:bodyPr>
-          <a:lstStyle/>
-          <a:p>
-            <a:r>
-              <a:rPr lang="en-US" sz="1400" dirty="0">
-                <a:solidFill>
-                  <a:schemeClr val="accent1">
-                    <a:lumMod val="50000"/>
-                  </a:schemeClr>
-                </a:solidFill>
-                <a:latin typeface="Cambria" panose="02040503050406030204" pitchFamily="18" charset="0"/>
-                <a:cs typeface="Plantagenet Cherokee" panose="02020000000000000000" pitchFamily="18" charset="-79"/>
-              </a:rPr>
-              <a:t>Political structure</a:t>
-            </a:r>
-          </a:p>
-        </p:txBody>
-      </p:sp>
-      <p:cxnSp>
-        <p:nvCxnSpPr>
-          <p:cNvPr id="62" name="Straight Connector 61">
-            <a:extLst>
-              <a:ext uri="{FF2B5EF4-FFF2-40B4-BE49-F238E27FC236}">
-                <a16:creationId xmlns:a16="http://schemas.microsoft.com/office/drawing/2014/main" id="{C5A734D2-FD81-F8FA-F9CD-61C30165C1F4}"/>
-              </a:ext>
-            </a:extLst>
-          </p:cNvPr>
-          <p:cNvCxnSpPr>
-            <a:cxnSpLocks/>
-          </p:cNvCxnSpPr>
-          <p:nvPr/>
-        </p:nvCxnSpPr>
-        <p:spPr>
-          <a:xfrm>
-            <a:off x="510191" y="1003368"/>
-            <a:ext cx="10985123" cy="0"/>
-          </a:xfrm>
-          <a:prstGeom prst="line">
-            <a:avLst/>
-          </a:prstGeom>
-          <a:ln w="28575">
-            <a:solidFill>
-              <a:schemeClr val="accent1">
-                <a:lumMod val="75000"/>
-              </a:schemeClr>
-            </a:solidFill>
-          </a:ln>
-        </p:spPr>
-        <p:style>
-          <a:lnRef idx="1">
-            <a:schemeClr val="accent1"/>
-          </a:lnRef>
-          <a:fillRef idx="0">
-            <a:schemeClr val="accent1"/>
-          </a:fillRef>
-          <a:effectRef idx="0">
-            <a:schemeClr val="accent1"/>
-          </a:effectRef>
-          <a:fontRef idx="minor">
-            <a:schemeClr val="tx1"/>
-          </a:fontRef>
-        </p:style>
-      </p:cxnSp>
     </p:spTree>
     <p:extLst>
       <p:ext uri="{BB962C8B-B14F-4D97-AF65-F5344CB8AC3E}">
@@ -12354,7 +12433,7 @@
 </file>
 
 <file path=ppt/slides/slide5.xml><?xml version="1.0" encoding="utf-8"?>
-<p:sld xmlns:a="http://schemas.openxmlformats.org/drawingml/2006/main" xmlns:r="http://schemas.openxmlformats.org/officeDocument/2006/relationships" xmlns:p="http://schemas.openxmlformats.org/presentationml/2006/main">
+<p:sld xmlns:a="http://schemas.openxmlformats.org/drawingml/2006/main" xmlns:r="http://schemas.openxmlformats.org/officeDocument/2006/relationships" xmlns:p="http://schemas.openxmlformats.org/presentationml/2006/main" show="0">
   <p:cSld>
     <p:spTree>
       <p:nvGrpSpPr>
@@ -13147,7 +13226,7 @@
         </p:blipFill>
         <p:spPr>
           <a:xfrm>
-            <a:off x="509460" y="1081565"/>
+            <a:off x="2014631" y="1026559"/>
             <a:ext cx="7720140" cy="5552067"/>
           </a:xfrm>
           <a:prstGeom prst="rect">
@@ -13155,426 +13234,6 @@
           </a:prstGeom>
         </p:spPr>
       </p:pic>
-      <p:sp>
-        <p:nvSpPr>
-          <p:cNvPr id="30" name="TextBox 29">
-            <a:extLst>
-              <a:ext uri="{FF2B5EF4-FFF2-40B4-BE49-F238E27FC236}">
-                <a16:creationId xmlns:a16="http://schemas.microsoft.com/office/drawing/2014/main" id="{ACAE6835-CDD9-A7D2-6E0D-0F906B463481}"/>
-              </a:ext>
-            </a:extLst>
-          </p:cNvPr>
-          <p:cNvSpPr txBox="1"/>
-          <p:nvPr/>
-        </p:nvSpPr>
-        <p:spPr>
-          <a:xfrm>
-            <a:off x="8822165" y="1772808"/>
-            <a:ext cx="3070690" cy="2031325"/>
-          </a:xfrm>
-          <a:prstGeom prst="rect">
-            <a:avLst/>
-          </a:prstGeom>
-          <a:noFill/>
-        </p:spPr>
-        <p:txBody>
-          <a:bodyPr wrap="square" rtlCol="0">
-            <a:spAutoFit/>
-          </a:bodyPr>
-          <a:lstStyle/>
-          <a:p>
-            <a:pPr marL="342900" indent="-342900">
-              <a:buAutoNum type="arabicPeriod"/>
-            </a:pPr>
-            <a:r>
-              <a:rPr lang="en-PH" sz="1400" b="0" dirty="0">
-                <a:effectLst/>
-                <a:latin typeface="Cambria" panose="02040503050406030204" pitchFamily="18" charset="0"/>
-              </a:rPr>
-              <a:t>Import tariffs</a:t>
-            </a:r>
-          </a:p>
-          <a:p>
-            <a:pPr marL="342900" indent="-342900">
-              <a:buAutoNum type="arabicPeriod"/>
-            </a:pPr>
-            <a:r>
-              <a:rPr lang="en-PH" sz="1400" dirty="0">
-                <a:latin typeface="Cambria" panose="02040503050406030204" pitchFamily="18" charset="0"/>
-              </a:rPr>
-              <a:t>Non-tariff barriers</a:t>
-            </a:r>
-          </a:p>
-          <a:p>
-            <a:pPr marL="342900" indent="-342900">
-              <a:buAutoNum type="arabicPeriod"/>
-            </a:pPr>
-            <a:r>
-              <a:rPr lang="en-PH" sz="1400" b="0" dirty="0">
-                <a:effectLst/>
-                <a:latin typeface="Cambria" panose="02040503050406030204" pitchFamily="18" charset="0"/>
-              </a:rPr>
-              <a:t>B</a:t>
-            </a:r>
-            <a:r>
-              <a:rPr lang="en-PH" sz="1400" dirty="0">
-                <a:latin typeface="Cambria" panose="02040503050406030204" pitchFamily="18" charset="0"/>
-              </a:rPr>
-              <a:t>ehind-the-border policies</a:t>
-            </a:r>
-          </a:p>
-          <a:p>
-            <a:pPr marL="342900" indent="-342900">
-              <a:buAutoNum type="arabicPeriod"/>
-            </a:pPr>
-            <a:r>
-              <a:rPr lang="en-PH" sz="1400" dirty="0">
-                <a:latin typeface="Cambria" panose="02040503050406030204" pitchFamily="18" charset="0"/>
-              </a:rPr>
-              <a:t>Services</a:t>
-            </a:r>
-          </a:p>
-          <a:p>
-            <a:pPr marL="342900" indent="-342900">
-              <a:buAutoNum type="arabicPeriod"/>
-            </a:pPr>
-            <a:r>
-              <a:rPr lang="en-PH" sz="1400" b="0" dirty="0">
-                <a:effectLst/>
-                <a:latin typeface="Cambria" panose="02040503050406030204" pitchFamily="18" charset="0"/>
-              </a:rPr>
-              <a:t>Technology</a:t>
-            </a:r>
-          </a:p>
-          <a:p>
-            <a:pPr marL="342900" indent="-342900">
-              <a:buAutoNum type="arabicPeriod"/>
-            </a:pPr>
-            <a:r>
-              <a:rPr lang="en-PH" sz="1400" dirty="0">
-                <a:latin typeface="Cambria" panose="02040503050406030204" pitchFamily="18" charset="0"/>
-              </a:rPr>
-              <a:t>Investment and capital </a:t>
-            </a:r>
-          </a:p>
-          <a:p>
-            <a:pPr marL="342900" indent="-342900">
-              <a:buAutoNum type="arabicPeriod"/>
-            </a:pPr>
-            <a:r>
-              <a:rPr lang="en-PH" sz="1400" b="0" dirty="0">
-                <a:effectLst/>
-                <a:latin typeface="Cambria" panose="02040503050406030204" pitchFamily="18" charset="0"/>
-              </a:rPr>
-              <a:t>Labor</a:t>
-            </a:r>
-          </a:p>
-          <a:p>
-            <a:pPr marL="342900" indent="-342900">
-              <a:buAutoNum type="arabicPeriod"/>
-            </a:pPr>
-            <a:r>
-              <a:rPr lang="en-PH" sz="1400" dirty="0">
-                <a:latin typeface="Cambria" panose="02040503050406030204" pitchFamily="18" charset="0"/>
-              </a:rPr>
-              <a:t>Other policies</a:t>
-            </a:r>
-          </a:p>
-          <a:p>
-            <a:pPr marL="342900" indent="-342900">
-              <a:buAutoNum type="arabicPeriod"/>
-            </a:pPr>
-            <a:r>
-              <a:rPr lang="en-PH" sz="1400" b="1" dirty="0">
-                <a:solidFill>
-                  <a:schemeClr val="accent1">
-                    <a:lumMod val="75000"/>
-                  </a:schemeClr>
-                </a:solidFill>
-                <a:effectLst/>
-                <a:latin typeface="Cambria" panose="02040503050406030204" pitchFamily="18" charset="0"/>
-              </a:rPr>
-              <a:t>Non-economic policies</a:t>
-            </a:r>
-          </a:p>
-        </p:txBody>
-      </p:sp>
-      <p:sp>
-        <p:nvSpPr>
-          <p:cNvPr id="32" name="Rounded Rectangle 31">
-            <a:extLst>
-              <a:ext uri="{FF2B5EF4-FFF2-40B4-BE49-F238E27FC236}">
-                <a16:creationId xmlns:a16="http://schemas.microsoft.com/office/drawing/2014/main" id="{8AF0E361-FD6B-C11A-CB34-C602E2BB64A1}"/>
-              </a:ext>
-            </a:extLst>
-          </p:cNvPr>
-          <p:cNvSpPr/>
-          <p:nvPr/>
-        </p:nvSpPr>
-        <p:spPr>
-          <a:xfrm>
-            <a:off x="8609436" y="1349571"/>
-            <a:ext cx="2880968" cy="368074"/>
-          </a:xfrm>
-          <a:prstGeom prst="roundRect">
-            <a:avLst/>
-          </a:prstGeom>
-          <a:solidFill>
-            <a:schemeClr val="accent1">
-              <a:lumMod val="50000"/>
-            </a:schemeClr>
-          </a:solidFill>
-          <a:ln>
-            <a:noFill/>
-          </a:ln>
-        </p:spPr>
-        <p:style>
-          <a:lnRef idx="2">
-            <a:schemeClr val="accent1">
-              <a:shade val="50000"/>
-            </a:schemeClr>
-          </a:lnRef>
-          <a:fillRef idx="1">
-            <a:schemeClr val="accent1"/>
-          </a:fillRef>
-          <a:effectRef idx="0">
-            <a:schemeClr val="accent1"/>
-          </a:effectRef>
-          <a:fontRef idx="minor">
-            <a:schemeClr val="lt1"/>
-          </a:fontRef>
-        </p:style>
-        <p:txBody>
-          <a:bodyPr rtlCol="0" anchor="ctr"/>
-          <a:lstStyle/>
-          <a:p>
-            <a:pPr algn="ctr"/>
-            <a:r>
-              <a:rPr lang="en-GB" sz="1400" dirty="0">
-                <a:solidFill>
-                  <a:schemeClr val="bg1"/>
-                </a:solidFill>
-                <a:latin typeface="Cambria" panose="02040503050406030204" pitchFamily="18" charset="0"/>
-              </a:rPr>
-              <a:t>PTA policy areas</a:t>
-            </a:r>
-          </a:p>
-        </p:txBody>
-      </p:sp>
-      <p:sp>
-        <p:nvSpPr>
-          <p:cNvPr id="33" name="Rounded Rectangle 32">
-            <a:extLst>
-              <a:ext uri="{FF2B5EF4-FFF2-40B4-BE49-F238E27FC236}">
-                <a16:creationId xmlns:a16="http://schemas.microsoft.com/office/drawing/2014/main" id="{A1F6D7E2-B5BB-C8A8-B4CF-0B635EC4647C}"/>
-              </a:ext>
-            </a:extLst>
-          </p:cNvPr>
-          <p:cNvSpPr/>
-          <p:nvPr/>
-        </p:nvSpPr>
-        <p:spPr>
-          <a:xfrm>
-            <a:off x="8610902" y="4038187"/>
-            <a:ext cx="2880968" cy="368074"/>
-          </a:xfrm>
-          <a:prstGeom prst="roundRect">
-            <a:avLst/>
-          </a:prstGeom>
-          <a:solidFill>
-            <a:schemeClr val="accent1">
-              <a:lumMod val="50000"/>
-            </a:schemeClr>
-          </a:solidFill>
-          <a:ln>
-            <a:noFill/>
-          </a:ln>
-        </p:spPr>
-        <p:style>
-          <a:lnRef idx="2">
-            <a:schemeClr val="accent1">
-              <a:shade val="50000"/>
-            </a:schemeClr>
-          </a:lnRef>
-          <a:fillRef idx="1">
-            <a:schemeClr val="accent1"/>
-          </a:fillRef>
-          <a:effectRef idx="0">
-            <a:schemeClr val="accent1"/>
-          </a:effectRef>
-          <a:fontRef idx="minor">
-            <a:schemeClr val="lt1"/>
-          </a:fontRef>
-        </p:style>
-        <p:txBody>
-          <a:bodyPr rtlCol="0" anchor="ctr"/>
-          <a:lstStyle/>
-          <a:p>
-            <a:pPr algn="ctr"/>
-            <a:r>
-              <a:rPr lang="en-GB" sz="1400" dirty="0">
-                <a:solidFill>
-                  <a:schemeClr val="bg1"/>
-                </a:solidFill>
-                <a:latin typeface="Cambria" panose="02040503050406030204" pitchFamily="18" charset="0"/>
-              </a:rPr>
-              <a:t>Non-economic provisions</a:t>
-            </a:r>
-          </a:p>
-        </p:txBody>
-      </p:sp>
-      <p:sp>
-        <p:nvSpPr>
-          <p:cNvPr id="34" name="TextBox 33">
-            <a:extLst>
-              <a:ext uri="{FF2B5EF4-FFF2-40B4-BE49-F238E27FC236}">
-                <a16:creationId xmlns:a16="http://schemas.microsoft.com/office/drawing/2014/main" id="{B47AF2F6-4D5F-87A7-721A-E9ED0FA86711}"/>
-              </a:ext>
-            </a:extLst>
-          </p:cNvPr>
-          <p:cNvSpPr txBox="1"/>
-          <p:nvPr/>
-        </p:nvSpPr>
-        <p:spPr>
-          <a:xfrm>
-            <a:off x="8822165" y="4492766"/>
-            <a:ext cx="2880968" cy="2031325"/>
-          </a:xfrm>
-          <a:prstGeom prst="rect">
-            <a:avLst/>
-          </a:prstGeom>
-          <a:noFill/>
-        </p:spPr>
-        <p:txBody>
-          <a:bodyPr wrap="square" rtlCol="0">
-            <a:spAutoFit/>
-          </a:bodyPr>
-          <a:lstStyle/>
-          <a:p>
-            <a:pPr marL="285750" indent="-285750">
-              <a:buFont typeface="Arial" panose="020B0604020202020204" pitchFamily="34" charset="0"/>
-              <a:buChar char="•"/>
-            </a:pPr>
-            <a:r>
-              <a:rPr lang="en-PH" sz="1400" dirty="0">
-                <a:effectLst/>
-                <a:latin typeface="Cambria" panose="02040503050406030204" pitchFamily="18" charset="0"/>
-              </a:rPr>
-              <a:t>Environmental laws</a:t>
-            </a:r>
-          </a:p>
-          <a:p>
-            <a:pPr marL="285750" indent="-285750">
-              <a:buFont typeface="Arial" panose="020B0604020202020204" pitchFamily="34" charset="0"/>
-              <a:buChar char="•"/>
-            </a:pPr>
-            <a:r>
-              <a:rPr lang="en-PH" sz="1400" dirty="0">
-                <a:effectLst/>
-                <a:latin typeface="Cambria" panose="02040503050406030204" pitchFamily="18" charset="0"/>
-              </a:rPr>
-              <a:t>Cultural cooperation</a:t>
-            </a:r>
-          </a:p>
-          <a:p>
-            <a:pPr marL="285750" indent="-285750">
-              <a:buFont typeface="Arial" panose="020B0604020202020204" pitchFamily="34" charset="0"/>
-              <a:buChar char="•"/>
-            </a:pPr>
-            <a:r>
-              <a:rPr lang="en-PH" sz="1400" dirty="0">
-                <a:latin typeface="Cambria" panose="02040503050406030204" pitchFamily="18" charset="0"/>
-              </a:rPr>
-              <a:t>Data protection</a:t>
-            </a:r>
-          </a:p>
-          <a:p>
-            <a:pPr marL="285750" indent="-285750">
-              <a:buFont typeface="Arial" panose="020B0604020202020204" pitchFamily="34" charset="0"/>
-              <a:buChar char="•"/>
-            </a:pPr>
-            <a:r>
-              <a:rPr lang="en-PH" sz="1400" dirty="0">
-                <a:effectLst/>
-                <a:latin typeface="Cambria" panose="02040503050406030204" pitchFamily="18" charset="0"/>
-              </a:rPr>
-              <a:t>Health</a:t>
-            </a:r>
-          </a:p>
-          <a:p>
-            <a:pPr marL="285750" indent="-285750">
-              <a:buFont typeface="Arial" panose="020B0604020202020204" pitchFamily="34" charset="0"/>
-              <a:buChar char="•"/>
-            </a:pPr>
-            <a:r>
-              <a:rPr lang="en-PH" sz="1400" dirty="0">
-                <a:latin typeface="Cambria" panose="02040503050406030204" pitchFamily="18" charset="0"/>
-              </a:rPr>
-              <a:t>Human rights</a:t>
-            </a:r>
-          </a:p>
-          <a:p>
-            <a:pPr marL="285750" indent="-285750">
-              <a:buFont typeface="Arial" panose="020B0604020202020204" pitchFamily="34" charset="0"/>
-              <a:buChar char="•"/>
-            </a:pPr>
-            <a:r>
-              <a:rPr lang="en-PH" sz="1400" dirty="0">
-                <a:effectLst/>
-                <a:latin typeface="Cambria" panose="02040503050406030204" pitchFamily="18" charset="0"/>
-              </a:rPr>
-              <a:t>Illicit d</a:t>
-            </a:r>
-            <a:r>
-              <a:rPr lang="en-PH" sz="1400" dirty="0">
-                <a:latin typeface="Cambria" panose="02040503050406030204" pitchFamily="18" charset="0"/>
-              </a:rPr>
-              <a:t>rugs</a:t>
-            </a:r>
-          </a:p>
-          <a:p>
-            <a:pPr marL="285750" indent="-285750">
-              <a:buFont typeface="Arial" panose="020B0604020202020204" pitchFamily="34" charset="0"/>
-              <a:buChar char="•"/>
-            </a:pPr>
-            <a:r>
-              <a:rPr lang="en-PH" sz="1400" dirty="0">
-                <a:effectLst/>
-                <a:latin typeface="Cambria" panose="02040503050406030204" pitchFamily="18" charset="0"/>
-              </a:rPr>
-              <a:t>Money laundering</a:t>
-            </a:r>
-          </a:p>
-          <a:p>
-            <a:pPr marL="285750" indent="-285750">
-              <a:buFont typeface="Arial" panose="020B0604020202020204" pitchFamily="34" charset="0"/>
-              <a:buChar char="•"/>
-            </a:pPr>
-            <a:r>
-              <a:rPr lang="en-PH" sz="1400" dirty="0">
-                <a:latin typeface="Cambria" panose="02040503050406030204" pitchFamily="18" charset="0"/>
-              </a:rPr>
-              <a:t>Political dialogue</a:t>
-            </a:r>
-          </a:p>
-          <a:p>
-            <a:pPr marL="285750" indent="-285750">
-              <a:buFont typeface="Arial" panose="020B0604020202020204" pitchFamily="34" charset="0"/>
-              <a:buChar char="•"/>
-            </a:pPr>
-            <a:r>
-              <a:rPr lang="en-PH" sz="1400" dirty="0">
-                <a:latin typeface="Cambria" panose="02040503050406030204" pitchFamily="18" charset="0"/>
-              </a:rPr>
-              <a:t>Terrorism</a:t>
-            </a:r>
-            <a:endParaRPr lang="en-PH" sz="1400" dirty="0">
-              <a:effectLst/>
-              <a:latin typeface="Cambria" panose="02040503050406030204" pitchFamily="18" charset="0"/>
-            </a:endParaRPr>
-          </a:p>
-        </p:txBody>
-      </p:sp>
     </p:spTree>
     <p:extLst>
       <p:ext uri="{BB962C8B-B14F-4D97-AF65-F5344CB8AC3E}">
